--- a/课程设计报告.pptx
+++ b/课程设计报告.pptx
@@ -4,13 +4,17 @@
   <p:sldMasterIdLst>
     <p:sldMasterId id="2147483905" r:id="rId1"/>
   </p:sldMasterIdLst>
+  <p:notesMasterIdLst>
+    <p:notesMasterId r:id="rId9"/>
+  </p:notesMasterIdLst>
   <p:sldIdLst>
     <p:sldId id="256" r:id="rId2"/>
     <p:sldId id="257" r:id="rId3"/>
-    <p:sldId id="258" r:id="rId4"/>
-    <p:sldId id="262" r:id="rId5"/>
-    <p:sldId id="261" r:id="rId6"/>
-    <p:sldId id="260" r:id="rId7"/>
+    <p:sldId id="263" r:id="rId4"/>
+    <p:sldId id="264" r:id="rId5"/>
+    <p:sldId id="258" r:id="rId6"/>
+    <p:sldId id="262" r:id="rId7"/>
+    <p:sldId id="261" r:id="rId8"/>
   </p:sldIdLst>
   <p:sldSz cx="12192000" cy="6858000"/>
   <p:notesSz cx="6858000" cy="9144000"/>
@@ -109,7 +113,446 @@
       </a:defRPr>
     </a:lvl9pPr>
   </p:defaultTextStyle>
+  <p:extLst>
+    <p:ext uri="{EFAFB233-063F-42B5-8137-9DF3F51BA10A}">
+      <p15:sldGuideLst xmlns:p15="http://schemas.microsoft.com/office/powerpoint/2012/main"/>
+    </p:ext>
+  </p:extLst>
 </p:presentation>
+</file>
+
+<file path=ppt/notesMasters/notesMaster1.xml><?xml version="1.0" encoding="utf-8"?>
+<p:notesMaster xmlns:a="http://schemas.openxmlformats.org/drawingml/2006/main" xmlns:r="http://schemas.openxmlformats.org/officeDocument/2006/relationships" xmlns:p="http://schemas.openxmlformats.org/presentationml/2006/main">
+  <p:cSld>
+    <p:bg>
+      <p:bgRef idx="1001">
+        <a:schemeClr val="bg1"/>
+      </p:bgRef>
+    </p:bg>
+    <p:spTree>
+      <p:nvGrpSpPr>
+        <p:cNvPr id="1" name=""/>
+        <p:cNvGrpSpPr/>
+        <p:nvPr/>
+      </p:nvGrpSpPr>
+      <p:grpSpPr>
+        <a:xfrm>
+          <a:off x="0" y="0"/>
+          <a:ext cx="0" cy="0"/>
+          <a:chOff x="0" y="0"/>
+          <a:chExt cx="0" cy="0"/>
+        </a:xfrm>
+      </p:grpSpPr>
+      <p:sp>
+        <p:nvSpPr>
+          <p:cNvPr id="2" name="页眉占位符 1"/>
+          <p:cNvSpPr>
+            <a:spLocks noGrp="1"/>
+          </p:cNvSpPr>
+          <p:nvPr>
+            <p:ph type="hdr" sz="quarter"/>
+          </p:nvPr>
+        </p:nvSpPr>
+        <p:spPr>
+          <a:xfrm>
+            <a:off x="0" y="0"/>
+            <a:ext cx="2971800" cy="458788"/>
+          </a:xfrm>
+          <a:prstGeom prst="rect">
+            <a:avLst/>
+          </a:prstGeom>
+        </p:spPr>
+        <p:txBody>
+          <a:bodyPr vert="horz" lIns="91440" tIns="45720" rIns="91440" bIns="45720" rtlCol="0"/>
+          <a:lstStyle>
+            <a:lvl1pPr algn="l">
+              <a:defRPr sz="1200"/>
+            </a:lvl1pPr>
+          </a:lstStyle>
+          <a:p>
+            <a:endParaRPr lang="zh-CN" altLang="en-US"/>
+          </a:p>
+        </p:txBody>
+      </p:sp>
+      <p:sp>
+        <p:nvSpPr>
+          <p:cNvPr id="3" name="日期占位符 2"/>
+          <p:cNvSpPr>
+            <a:spLocks noGrp="1"/>
+          </p:cNvSpPr>
+          <p:nvPr>
+            <p:ph type="dt" idx="1"/>
+          </p:nvPr>
+        </p:nvSpPr>
+        <p:spPr>
+          <a:xfrm>
+            <a:off x="3884613" y="0"/>
+            <a:ext cx="2971800" cy="458788"/>
+          </a:xfrm>
+          <a:prstGeom prst="rect">
+            <a:avLst/>
+          </a:prstGeom>
+        </p:spPr>
+        <p:txBody>
+          <a:bodyPr vert="horz" lIns="91440" tIns="45720" rIns="91440" bIns="45720" rtlCol="0"/>
+          <a:lstStyle>
+            <a:lvl1pPr algn="r">
+              <a:defRPr sz="1200"/>
+            </a:lvl1pPr>
+          </a:lstStyle>
+          <a:p>
+            <a:fld id="{5E77B66D-F066-4C12-92FE-E74F557A550A}" type="datetimeFigureOut">
+              <a:rPr lang="zh-CN" altLang="en-US" smtClean="0"/>
+              <a:t>2018/6/3</a:t>
+            </a:fld>
+            <a:endParaRPr lang="zh-CN" altLang="en-US"/>
+          </a:p>
+        </p:txBody>
+      </p:sp>
+      <p:sp>
+        <p:nvSpPr>
+          <p:cNvPr id="4" name="幻灯片图像占位符 3"/>
+          <p:cNvSpPr>
+            <a:spLocks noGrp="1" noRot="1" noChangeAspect="1"/>
+          </p:cNvSpPr>
+          <p:nvPr>
+            <p:ph type="sldImg" idx="2"/>
+          </p:nvPr>
+        </p:nvSpPr>
+        <p:spPr>
+          <a:xfrm>
+            <a:off x="685800" y="1143000"/>
+            <a:ext cx="5486400" cy="3086100"/>
+          </a:xfrm>
+          <a:prstGeom prst="rect">
+            <a:avLst/>
+          </a:prstGeom>
+          <a:noFill/>
+          <a:ln w="12700">
+            <a:solidFill>
+              <a:prstClr val="black"/>
+            </a:solidFill>
+          </a:ln>
+        </p:spPr>
+        <p:txBody>
+          <a:bodyPr vert="horz" lIns="91440" tIns="45720" rIns="91440" bIns="45720" rtlCol="0" anchor="ctr"/>
+          <a:lstStyle/>
+          <a:p>
+            <a:endParaRPr lang="zh-CN" altLang="en-US"/>
+          </a:p>
+        </p:txBody>
+      </p:sp>
+      <p:sp>
+        <p:nvSpPr>
+          <p:cNvPr id="5" name="备注占位符 4"/>
+          <p:cNvSpPr>
+            <a:spLocks noGrp="1"/>
+          </p:cNvSpPr>
+          <p:nvPr>
+            <p:ph type="body" sz="quarter" idx="3"/>
+          </p:nvPr>
+        </p:nvSpPr>
+        <p:spPr>
+          <a:xfrm>
+            <a:off x="685800" y="4400550"/>
+            <a:ext cx="5486400" cy="3600450"/>
+          </a:xfrm>
+          <a:prstGeom prst="rect">
+            <a:avLst/>
+          </a:prstGeom>
+        </p:spPr>
+        <p:txBody>
+          <a:bodyPr vert="horz" lIns="91440" tIns="45720" rIns="91440" bIns="45720" rtlCol="0"/>
+          <a:lstStyle/>
+          <a:p>
+            <a:pPr lvl="0"/>
+            <a:r>
+              <a:rPr lang="zh-CN" altLang="en-US" smtClean="0"/>
+              <a:t>编辑母版文本样式</a:t>
+            </a:r>
+          </a:p>
+          <a:p>
+            <a:pPr lvl="1"/>
+            <a:r>
+              <a:rPr lang="zh-CN" altLang="en-US" smtClean="0"/>
+              <a:t>第二级</a:t>
+            </a:r>
+          </a:p>
+          <a:p>
+            <a:pPr lvl="2"/>
+            <a:r>
+              <a:rPr lang="zh-CN" altLang="en-US" smtClean="0"/>
+              <a:t>第三级</a:t>
+            </a:r>
+          </a:p>
+          <a:p>
+            <a:pPr lvl="3"/>
+            <a:r>
+              <a:rPr lang="zh-CN" altLang="en-US" smtClean="0"/>
+              <a:t>第四级</a:t>
+            </a:r>
+          </a:p>
+          <a:p>
+            <a:pPr lvl="4"/>
+            <a:r>
+              <a:rPr lang="zh-CN" altLang="en-US" smtClean="0"/>
+              <a:t>第五级</a:t>
+            </a:r>
+            <a:endParaRPr lang="zh-CN" altLang="en-US"/>
+          </a:p>
+        </p:txBody>
+      </p:sp>
+      <p:sp>
+        <p:nvSpPr>
+          <p:cNvPr id="6" name="页脚占位符 5"/>
+          <p:cNvSpPr>
+            <a:spLocks noGrp="1"/>
+          </p:cNvSpPr>
+          <p:nvPr>
+            <p:ph type="ftr" sz="quarter" idx="4"/>
+          </p:nvPr>
+        </p:nvSpPr>
+        <p:spPr>
+          <a:xfrm>
+            <a:off x="0" y="8685213"/>
+            <a:ext cx="2971800" cy="458787"/>
+          </a:xfrm>
+          <a:prstGeom prst="rect">
+            <a:avLst/>
+          </a:prstGeom>
+        </p:spPr>
+        <p:txBody>
+          <a:bodyPr vert="horz" lIns="91440" tIns="45720" rIns="91440" bIns="45720" rtlCol="0" anchor="b"/>
+          <a:lstStyle>
+            <a:lvl1pPr algn="l">
+              <a:defRPr sz="1200"/>
+            </a:lvl1pPr>
+          </a:lstStyle>
+          <a:p>
+            <a:endParaRPr lang="zh-CN" altLang="en-US"/>
+          </a:p>
+        </p:txBody>
+      </p:sp>
+      <p:sp>
+        <p:nvSpPr>
+          <p:cNvPr id="7" name="灯片编号占位符 6"/>
+          <p:cNvSpPr>
+            <a:spLocks noGrp="1"/>
+          </p:cNvSpPr>
+          <p:nvPr>
+            <p:ph type="sldNum" sz="quarter" idx="5"/>
+          </p:nvPr>
+        </p:nvSpPr>
+        <p:spPr>
+          <a:xfrm>
+            <a:off x="3884613" y="8685213"/>
+            <a:ext cx="2971800" cy="458787"/>
+          </a:xfrm>
+          <a:prstGeom prst="rect">
+            <a:avLst/>
+          </a:prstGeom>
+        </p:spPr>
+        <p:txBody>
+          <a:bodyPr vert="horz" lIns="91440" tIns="45720" rIns="91440" bIns="45720" rtlCol="0" anchor="b"/>
+          <a:lstStyle>
+            <a:lvl1pPr algn="r">
+              <a:defRPr sz="1200"/>
+            </a:lvl1pPr>
+          </a:lstStyle>
+          <a:p>
+            <a:fld id="{73C8B8A7-F957-4C58-8BAE-7D5B72AE0FDE}" type="slidenum">
+              <a:rPr lang="zh-CN" altLang="en-US" smtClean="0"/>
+              <a:t>‹#›</a:t>
+            </a:fld>
+            <a:endParaRPr lang="zh-CN" altLang="en-US"/>
+          </a:p>
+        </p:txBody>
+      </p:sp>
+    </p:spTree>
+    <p:extLst>
+      <p:ext uri="{BB962C8B-B14F-4D97-AF65-F5344CB8AC3E}">
+        <p14:creationId xmlns:p14="http://schemas.microsoft.com/office/powerpoint/2010/main" val="1374892127"/>
+      </p:ext>
+    </p:extLst>
+  </p:cSld>
+  <p:clrMap bg1="lt1" tx1="dk1" bg2="lt2" tx2="dk2" accent1="accent1" accent2="accent2" accent3="accent3" accent4="accent4" accent5="accent5" accent6="accent6" hlink="hlink" folHlink="folHlink"/>
+  <p:notesStyle>
+    <a:lvl1pPr marL="0" algn="l" defTabSz="914400" rtl="0" eaLnBrk="1" latinLnBrk="0" hangingPunct="1">
+      <a:defRPr sz="1200" kern="1200">
+        <a:solidFill>
+          <a:schemeClr val="tx1"/>
+        </a:solidFill>
+        <a:latin typeface="+mn-lt"/>
+        <a:ea typeface="+mn-ea"/>
+        <a:cs typeface="+mn-cs"/>
+      </a:defRPr>
+    </a:lvl1pPr>
+    <a:lvl2pPr marL="457200" algn="l" defTabSz="914400" rtl="0" eaLnBrk="1" latinLnBrk="0" hangingPunct="1">
+      <a:defRPr sz="1200" kern="1200">
+        <a:solidFill>
+          <a:schemeClr val="tx1"/>
+        </a:solidFill>
+        <a:latin typeface="+mn-lt"/>
+        <a:ea typeface="+mn-ea"/>
+        <a:cs typeface="+mn-cs"/>
+      </a:defRPr>
+    </a:lvl2pPr>
+    <a:lvl3pPr marL="914400" algn="l" defTabSz="914400" rtl="0" eaLnBrk="1" latinLnBrk="0" hangingPunct="1">
+      <a:defRPr sz="1200" kern="1200">
+        <a:solidFill>
+          <a:schemeClr val="tx1"/>
+        </a:solidFill>
+        <a:latin typeface="+mn-lt"/>
+        <a:ea typeface="+mn-ea"/>
+        <a:cs typeface="+mn-cs"/>
+      </a:defRPr>
+    </a:lvl3pPr>
+    <a:lvl4pPr marL="1371600" algn="l" defTabSz="914400" rtl="0" eaLnBrk="1" latinLnBrk="0" hangingPunct="1">
+      <a:defRPr sz="1200" kern="1200">
+        <a:solidFill>
+          <a:schemeClr val="tx1"/>
+        </a:solidFill>
+        <a:latin typeface="+mn-lt"/>
+        <a:ea typeface="+mn-ea"/>
+        <a:cs typeface="+mn-cs"/>
+      </a:defRPr>
+    </a:lvl4pPr>
+    <a:lvl5pPr marL="1828800" algn="l" defTabSz="914400" rtl="0" eaLnBrk="1" latinLnBrk="0" hangingPunct="1">
+      <a:defRPr sz="1200" kern="1200">
+        <a:solidFill>
+          <a:schemeClr val="tx1"/>
+        </a:solidFill>
+        <a:latin typeface="+mn-lt"/>
+        <a:ea typeface="+mn-ea"/>
+        <a:cs typeface="+mn-cs"/>
+      </a:defRPr>
+    </a:lvl5pPr>
+    <a:lvl6pPr marL="2286000" algn="l" defTabSz="914400" rtl="0" eaLnBrk="1" latinLnBrk="0" hangingPunct="1">
+      <a:defRPr sz="1200" kern="1200">
+        <a:solidFill>
+          <a:schemeClr val="tx1"/>
+        </a:solidFill>
+        <a:latin typeface="+mn-lt"/>
+        <a:ea typeface="+mn-ea"/>
+        <a:cs typeface="+mn-cs"/>
+      </a:defRPr>
+    </a:lvl6pPr>
+    <a:lvl7pPr marL="2743200" algn="l" defTabSz="914400" rtl="0" eaLnBrk="1" latinLnBrk="0" hangingPunct="1">
+      <a:defRPr sz="1200" kern="1200">
+        <a:solidFill>
+          <a:schemeClr val="tx1"/>
+        </a:solidFill>
+        <a:latin typeface="+mn-lt"/>
+        <a:ea typeface="+mn-ea"/>
+        <a:cs typeface="+mn-cs"/>
+      </a:defRPr>
+    </a:lvl7pPr>
+    <a:lvl8pPr marL="3200400" algn="l" defTabSz="914400" rtl="0" eaLnBrk="1" latinLnBrk="0" hangingPunct="1">
+      <a:defRPr sz="1200" kern="1200">
+        <a:solidFill>
+          <a:schemeClr val="tx1"/>
+        </a:solidFill>
+        <a:latin typeface="+mn-lt"/>
+        <a:ea typeface="+mn-ea"/>
+        <a:cs typeface="+mn-cs"/>
+      </a:defRPr>
+    </a:lvl8pPr>
+    <a:lvl9pPr marL="3657600" algn="l" defTabSz="914400" rtl="0" eaLnBrk="1" latinLnBrk="0" hangingPunct="1">
+      <a:defRPr sz="1200" kern="1200">
+        <a:solidFill>
+          <a:schemeClr val="tx1"/>
+        </a:solidFill>
+        <a:latin typeface="+mn-lt"/>
+        <a:ea typeface="+mn-ea"/>
+        <a:cs typeface="+mn-cs"/>
+      </a:defRPr>
+    </a:lvl9pPr>
+  </p:notesStyle>
+</p:notesMaster>
+</file>
+
+<file path=ppt/notesSlides/notesSlide1.xml><?xml version="1.0" encoding="utf-8"?>
+<p:notes xmlns:a="http://schemas.openxmlformats.org/drawingml/2006/main" xmlns:r="http://schemas.openxmlformats.org/officeDocument/2006/relationships" xmlns:p="http://schemas.openxmlformats.org/presentationml/2006/main">
+  <p:cSld>
+    <p:spTree>
+      <p:nvGrpSpPr>
+        <p:cNvPr id="1" name=""/>
+        <p:cNvGrpSpPr/>
+        <p:nvPr/>
+      </p:nvGrpSpPr>
+      <p:grpSpPr>
+        <a:xfrm>
+          <a:off x="0" y="0"/>
+          <a:ext cx="0" cy="0"/>
+          <a:chOff x="0" y="0"/>
+          <a:chExt cx="0" cy="0"/>
+        </a:xfrm>
+      </p:grpSpPr>
+      <p:sp>
+        <p:nvSpPr>
+          <p:cNvPr id="2" name="幻灯片图像占位符 1"/>
+          <p:cNvSpPr>
+            <a:spLocks noGrp="1" noRot="1" noChangeAspect="1"/>
+          </p:cNvSpPr>
+          <p:nvPr>
+            <p:ph type="sldImg"/>
+          </p:nvPr>
+        </p:nvSpPr>
+        <p:spPr/>
+      </p:sp>
+      <p:sp>
+        <p:nvSpPr>
+          <p:cNvPr id="3" name="备注占位符 2"/>
+          <p:cNvSpPr>
+            <a:spLocks noGrp="1"/>
+          </p:cNvSpPr>
+          <p:nvPr>
+            <p:ph type="body" idx="1"/>
+          </p:nvPr>
+        </p:nvSpPr>
+        <p:spPr/>
+        <p:txBody>
+          <a:bodyPr/>
+          <a:lstStyle/>
+          <a:p>
+            <a:endParaRPr lang="zh-CN" altLang="en-US" dirty="0"/>
+          </a:p>
+        </p:txBody>
+      </p:sp>
+      <p:sp>
+        <p:nvSpPr>
+          <p:cNvPr id="4" name="灯片编号占位符 3"/>
+          <p:cNvSpPr>
+            <a:spLocks noGrp="1"/>
+          </p:cNvSpPr>
+          <p:nvPr>
+            <p:ph type="sldNum" sz="quarter" idx="10"/>
+          </p:nvPr>
+        </p:nvSpPr>
+        <p:spPr/>
+        <p:txBody>
+          <a:bodyPr/>
+          <a:lstStyle/>
+          <a:p>
+            <a:fld id="{73C8B8A7-F957-4C58-8BAE-7D5B72AE0FDE}" type="slidenum">
+              <a:rPr lang="zh-CN" altLang="en-US" smtClean="0"/>
+              <a:t>3</a:t>
+            </a:fld>
+            <a:endParaRPr lang="zh-CN" altLang="en-US"/>
+          </a:p>
+        </p:txBody>
+      </p:sp>
+    </p:spTree>
+    <p:extLst>
+      <p:ext uri="{BB962C8B-B14F-4D97-AF65-F5344CB8AC3E}">
+        <p14:creationId xmlns:p14="http://schemas.microsoft.com/office/powerpoint/2010/main" val="1235301815"/>
+      </p:ext>
+    </p:extLst>
+  </p:cSld>
+  <p:clrMapOvr>
+    <a:masterClrMapping/>
+  </p:clrMapOvr>
+</p:notes>
 </file>
 
 <file path=ppt/slideLayouts/slideLayout1.xml><?xml version="1.0" encoding="utf-8"?>
@@ -6857,10 +7300,24 @@
         </p:nvSpPr>
         <p:spPr/>
         <p:txBody>
-          <a:bodyPr/>
+          <a:bodyPr>
+            <a:normAutofit/>
+          </a:bodyPr>
           <a:lstStyle/>
           <a:p>
-            <a:endParaRPr lang="zh-CN" altLang="en-US" dirty="0"/>
+            <a:r>
+              <a:rPr lang="zh-CN" altLang="en-US" dirty="0" smtClean="0"/>
+              <a:t>蔡孟轩</a:t>
+            </a:r>
+            <a:r>
+              <a:rPr lang="en-US" altLang="zh-CN" dirty="0" smtClean="0"/>
+              <a:t> </a:t>
+            </a:r>
+            <a:r>
+              <a:rPr lang="zh-CN" altLang="en-US" dirty="0" smtClean="0"/>
+              <a:t>刘玟彤 王诗媛</a:t>
+            </a:r>
+            <a:endParaRPr lang="en-US" altLang="zh-CN" dirty="0" smtClean="0"/>
           </a:p>
         </p:txBody>
       </p:sp>
@@ -6929,10 +7386,68 @@
         </p:nvSpPr>
         <p:spPr/>
         <p:txBody>
-          <a:bodyPr/>
+          <a:bodyPr>
+            <a:noAutofit/>
+          </a:bodyPr>
           <a:lstStyle/>
           <a:p>
-            <a:endParaRPr lang="zh-CN" altLang="en-US"/>
+            <a:r>
+              <a:rPr lang="zh-CN" altLang="en-US" sz="2400" dirty="0" smtClean="0"/>
+              <a:t>人们外出旅行的需求不断增加</a:t>
+            </a:r>
+            <a:endParaRPr lang="en-US" altLang="zh-CN" sz="2400" dirty="0" smtClean="0"/>
+          </a:p>
+          <a:p>
+            <a:r>
+              <a:rPr lang="zh-CN" altLang="en-US" sz="2400" dirty="0" smtClean="0"/>
+              <a:t>在外出旅行的人中，越来越多的人会选择自助</a:t>
+            </a:r>
+            <a:r>
+              <a:rPr lang="zh-CN" altLang="en-US" sz="2400" dirty="0" smtClean="0"/>
+              <a:t>游</a:t>
+            </a:r>
+            <a:endParaRPr lang="en-US" altLang="zh-CN" sz="2400" dirty="0" smtClean="0"/>
+          </a:p>
+          <a:p>
+            <a:r>
+              <a:rPr lang="zh-CN" altLang="en-US" sz="2400" dirty="0" smtClean="0"/>
+              <a:t>旅游行程规划是自助游主要的部分</a:t>
+            </a:r>
+            <a:endParaRPr lang="en-US" altLang="zh-CN" sz="2400" dirty="0" smtClean="0"/>
+          </a:p>
+          <a:p>
+            <a:r>
+              <a:rPr lang="zh-CN" altLang="en-US" sz="2400" dirty="0" smtClean="0"/>
+              <a:t>现有的产品（例如携程）只有结合评分的景点推荐功能，并没有综合用户自己的实际需求进行整个旅游地点、交通和住宿的整体规划</a:t>
+            </a:r>
+            <a:endParaRPr lang="en-US" altLang="zh-CN" sz="2400" dirty="0" smtClean="0"/>
+          </a:p>
+          <a:p>
+            <a:r>
+              <a:rPr lang="zh-CN" altLang="en-US" sz="2400" dirty="0" smtClean="0"/>
+              <a:t>产品主要实现的功能是通过用户提供的旅游需求为用户进行整个行程的规划</a:t>
+            </a:r>
+            <a:endParaRPr lang="en-US" altLang="zh-CN" sz="2400" dirty="0" smtClean="0"/>
+          </a:p>
+          <a:p>
+            <a:r>
+              <a:rPr lang="zh-CN" altLang="en-US" sz="2400" dirty="0"/>
+              <a:t>目标</a:t>
+            </a:r>
+            <a:r>
+              <a:rPr lang="zh-CN" altLang="en-US" sz="2400" dirty="0" smtClean="0"/>
+              <a:t>用户是那些进行自助游，同时希望减少行程规划时间的人</a:t>
+            </a:r>
+            <a:endParaRPr lang="en-US" altLang="zh-CN" sz="2400" dirty="0" smtClean="0"/>
+          </a:p>
+          <a:p>
+            <a:endParaRPr lang="en-US" altLang="zh-CN" sz="2400" dirty="0" smtClean="0"/>
+          </a:p>
+          <a:p>
+            <a:endParaRPr lang="en-US" altLang="zh-CN" sz="2400" dirty="0" smtClean="0"/>
+          </a:p>
+          <a:p>
+            <a:endParaRPr lang="zh-CN" altLang="en-US" sz="2400" dirty="0"/>
           </a:p>
         </p:txBody>
       </p:sp>
@@ -6982,10 +7497,9 @@
           <a:lstStyle/>
           <a:p>
             <a:r>
-              <a:rPr lang="zh-CN" altLang="en-US" dirty="0" smtClean="0"/>
-              <a:t>产品设计</a:t>
-            </a:r>
-            <a:endParaRPr lang="zh-CN" altLang="en-US" dirty="0"/>
+              <a:rPr lang="zh-CN" altLang="en-US" dirty="0"/>
+              <a:t>需求分析</a:t>
+            </a:r>
           </a:p>
         </p:txBody>
       </p:sp>
@@ -7001,17 +7515,61 @@
         </p:nvSpPr>
         <p:spPr/>
         <p:txBody>
-          <a:bodyPr/>
+          <a:bodyPr>
+            <a:noAutofit/>
+          </a:bodyPr>
           <a:lstStyle/>
           <a:p>
-            <a:endParaRPr lang="zh-CN" altLang="en-US"/>
+            <a:r>
+              <a:rPr lang="zh-CN" altLang="en-US" sz="2400" dirty="0" smtClean="0"/>
+              <a:t>用户希望用我们的产品减少规划行程的时间</a:t>
+            </a:r>
+            <a:endParaRPr lang="en-US" altLang="zh-CN" sz="2400" dirty="0" smtClean="0"/>
+          </a:p>
+          <a:p>
+            <a:r>
+              <a:rPr lang="zh-CN" altLang="en-US" sz="2400" dirty="0" smtClean="0"/>
+              <a:t>产品需要对用户有针对性 ，符合用户的心理预期</a:t>
+            </a:r>
+            <a:endParaRPr lang="en-US" altLang="zh-CN" sz="2400" dirty="0" smtClean="0"/>
+          </a:p>
+          <a:p>
+            <a:r>
+              <a:rPr lang="zh-CN" altLang="en-US" sz="2400" dirty="0" smtClean="0"/>
+              <a:t>没有功能完全重叠的竞品，但相似的功能都有实现</a:t>
+            </a:r>
+            <a:endParaRPr lang="en-US" altLang="zh-CN" sz="2400" dirty="0" smtClean="0"/>
+          </a:p>
+          <a:p>
+            <a:r>
+              <a:rPr lang="zh-CN" altLang="en-US" sz="2400" dirty="0" smtClean="0"/>
+              <a:t>景点、酒店推荐方面有携程网，路线规划可以直接使用百度地图或高德地图</a:t>
+            </a:r>
+            <a:endParaRPr lang="en-US" altLang="zh-CN" sz="2400" dirty="0" smtClean="0"/>
+          </a:p>
+          <a:p>
+            <a:r>
+              <a:rPr lang="zh-CN" altLang="en-US" sz="2400" dirty="0"/>
+              <a:t>竞品的优点是可以直接预订车票和酒店，同时流量大，用户多</a:t>
+            </a:r>
+            <a:endParaRPr lang="en-US" altLang="zh-CN" sz="2400" dirty="0"/>
+          </a:p>
+          <a:p>
+            <a:r>
+              <a:rPr lang="zh-CN" altLang="en-US" sz="2400" dirty="0"/>
+              <a:t>本产品的优点是对用户更有针对性，用户可以先在我们的网站上获得旅游行程的规划，然后通过链接跳转到携程网进行购票</a:t>
+            </a:r>
+            <a:endParaRPr lang="en-US" altLang="zh-CN" sz="2400" dirty="0"/>
+          </a:p>
+          <a:p>
+            <a:endParaRPr lang="en-US" altLang="zh-CN" sz="2400" dirty="0" smtClean="0"/>
           </a:p>
         </p:txBody>
       </p:sp>
     </p:spTree>
     <p:extLst>
       <p:ext uri="{BB962C8B-B14F-4D97-AF65-F5344CB8AC3E}">
-        <p14:creationId xmlns:p14="http://schemas.microsoft.com/office/powerpoint/2010/main" val="2602438106"/>
+        <p14:creationId xmlns:p14="http://schemas.microsoft.com/office/powerpoint/2010/main" val="2889862592"/>
       </p:ext>
     </p:extLst>
   </p:cSld>
@@ -7055,7 +7613,7 @@
           <a:p>
             <a:r>
               <a:rPr lang="zh-CN" altLang="en-US" dirty="0" smtClean="0"/>
-              <a:t>前端设计</a:t>
+              <a:t>需求分析</a:t>
             </a:r>
             <a:endParaRPr lang="zh-CN" altLang="en-US" dirty="0"/>
           </a:p>
@@ -7073,17 +7631,38 @@
         </p:nvSpPr>
         <p:spPr/>
         <p:txBody>
-          <a:bodyPr/>
+          <a:bodyPr>
+            <a:normAutofit/>
+          </a:bodyPr>
           <a:lstStyle/>
           <a:p>
-            <a:endParaRPr lang="zh-CN" altLang="en-US"/>
+            <a:r>
+              <a:rPr lang="zh-CN" altLang="en-US" sz="2400" dirty="0" smtClean="0"/>
+              <a:t>在盈利上，产品</a:t>
+            </a:r>
+            <a:r>
+              <a:rPr lang="zh-CN" altLang="en-US" sz="2400" dirty="0"/>
+              <a:t>可以直接与酒店、景点等进行合作，在保证满足用户需求的同时更多的推荐有合作的</a:t>
+            </a:r>
+            <a:r>
+              <a:rPr lang="zh-CN" altLang="en-US" sz="2400" dirty="0" smtClean="0"/>
+              <a:t>酒店</a:t>
+            </a:r>
+            <a:endParaRPr lang="en-US" altLang="zh-CN" sz="2400" dirty="0" smtClean="0"/>
+          </a:p>
+          <a:p>
+            <a:r>
+              <a:rPr lang="zh-CN" altLang="en-US" sz="2400" dirty="0" smtClean="0"/>
+              <a:t>随着用户使用时间的增加，在获取用户偏好后，路径规划更容易满足用户需求，因此会让用户对产品有依赖</a:t>
+            </a:r>
+            <a:endParaRPr lang="zh-CN" altLang="en-US" sz="2400" dirty="0"/>
           </a:p>
         </p:txBody>
       </p:sp>
     </p:spTree>
     <p:extLst>
       <p:ext uri="{BB962C8B-B14F-4D97-AF65-F5344CB8AC3E}">
-        <p14:creationId xmlns:p14="http://schemas.microsoft.com/office/powerpoint/2010/main" val="1902387252"/>
+        <p14:creationId xmlns:p14="http://schemas.microsoft.com/office/powerpoint/2010/main" val="1312652970"/>
       </p:ext>
     </p:extLst>
   </p:cSld>
@@ -7127,7 +7706,7 @@
           <a:p>
             <a:r>
               <a:rPr lang="zh-CN" altLang="en-US" dirty="0" smtClean="0"/>
-              <a:t>后端设计</a:t>
+              <a:t>产品设计</a:t>
             </a:r>
             <a:endParaRPr lang="zh-CN" altLang="en-US" dirty="0"/>
           </a:p>
@@ -7145,40 +7724,17 @@
         </p:nvSpPr>
         <p:spPr/>
         <p:txBody>
-          <a:bodyPr>
-            <a:normAutofit/>
-          </a:bodyPr>
+          <a:bodyPr/>
           <a:lstStyle/>
           <a:p>
-            <a:r>
-              <a:rPr lang="zh-CN" altLang="en-US" sz="2400" dirty="0" smtClean="0"/>
-              <a:t>后端的算法设计可以使用现有的推荐算法，在推荐系统的基础上进行改进</a:t>
-            </a:r>
-            <a:endParaRPr lang="en-US" altLang="zh-CN" sz="2400" dirty="0" smtClean="0"/>
-          </a:p>
-          <a:p>
-            <a:r>
-              <a:rPr lang="zh-CN" altLang="en-US" sz="2400" dirty="0" smtClean="0"/>
-              <a:t>根据用户的偏好和过往记录进行推荐</a:t>
-            </a:r>
-            <a:endParaRPr lang="en-US" altLang="zh-CN" sz="2400" dirty="0" smtClean="0"/>
-          </a:p>
-          <a:p>
-            <a:r>
-              <a:rPr lang="zh-CN" altLang="en-US" sz="2400" dirty="0" smtClean="0"/>
-              <a:t>最简单的办法是将景点推荐，路线推荐与住宿推荐分开</a:t>
-            </a:r>
-            <a:endParaRPr lang="en-US" altLang="zh-CN" sz="2400" smtClean="0"/>
-          </a:p>
-          <a:p>
-            <a:endParaRPr lang="zh-CN" altLang="en-US" sz="2400" dirty="0"/>
+            <a:endParaRPr lang="zh-CN" altLang="en-US" dirty="0"/>
           </a:p>
         </p:txBody>
       </p:sp>
     </p:spTree>
     <p:extLst>
       <p:ext uri="{BB962C8B-B14F-4D97-AF65-F5344CB8AC3E}">
-        <p14:creationId xmlns:p14="http://schemas.microsoft.com/office/powerpoint/2010/main" val="3169074282"/>
+        <p14:creationId xmlns:p14="http://schemas.microsoft.com/office/powerpoint/2010/main" val="2602438106"/>
       </p:ext>
     </p:extLst>
   </p:cSld>
@@ -7222,7 +7778,7 @@
           <a:p>
             <a:r>
               <a:rPr lang="zh-CN" altLang="en-US" dirty="0" smtClean="0"/>
-              <a:t>产品演示</a:t>
+              <a:t>前端设计</a:t>
             </a:r>
             <a:endParaRPr lang="zh-CN" altLang="en-US" dirty="0"/>
           </a:p>
@@ -7250,7 +7806,102 @@
     </p:spTree>
     <p:extLst>
       <p:ext uri="{BB962C8B-B14F-4D97-AF65-F5344CB8AC3E}">
-        <p14:creationId xmlns:p14="http://schemas.microsoft.com/office/powerpoint/2010/main" val="3450531082"/>
+        <p14:creationId xmlns:p14="http://schemas.microsoft.com/office/powerpoint/2010/main" val="1902387252"/>
+      </p:ext>
+    </p:extLst>
+  </p:cSld>
+  <p:clrMapOvr>
+    <a:masterClrMapping/>
+  </p:clrMapOvr>
+</p:sld>
+</file>
+
+<file path=ppt/slides/slide7.xml><?xml version="1.0" encoding="utf-8"?>
+<p:sld xmlns:a="http://schemas.openxmlformats.org/drawingml/2006/main" xmlns:r="http://schemas.openxmlformats.org/officeDocument/2006/relationships" xmlns:p="http://schemas.openxmlformats.org/presentationml/2006/main">
+  <p:cSld>
+    <p:spTree>
+      <p:nvGrpSpPr>
+        <p:cNvPr id="1" name=""/>
+        <p:cNvGrpSpPr/>
+        <p:nvPr/>
+      </p:nvGrpSpPr>
+      <p:grpSpPr>
+        <a:xfrm>
+          <a:off x="0" y="0"/>
+          <a:ext cx="0" cy="0"/>
+          <a:chOff x="0" y="0"/>
+          <a:chExt cx="0" cy="0"/>
+        </a:xfrm>
+      </p:grpSpPr>
+      <p:sp>
+        <p:nvSpPr>
+          <p:cNvPr id="2" name="标题 1"/>
+          <p:cNvSpPr>
+            <a:spLocks noGrp="1"/>
+          </p:cNvSpPr>
+          <p:nvPr>
+            <p:ph type="title"/>
+          </p:nvPr>
+        </p:nvSpPr>
+        <p:spPr/>
+        <p:txBody>
+          <a:bodyPr/>
+          <a:lstStyle/>
+          <a:p>
+            <a:r>
+              <a:rPr lang="zh-CN" altLang="en-US" dirty="0" smtClean="0"/>
+              <a:t>后端设计</a:t>
+            </a:r>
+            <a:endParaRPr lang="zh-CN" altLang="en-US" dirty="0"/>
+          </a:p>
+        </p:txBody>
+      </p:sp>
+      <p:sp>
+        <p:nvSpPr>
+          <p:cNvPr id="3" name="内容占位符 2"/>
+          <p:cNvSpPr>
+            <a:spLocks noGrp="1"/>
+          </p:cNvSpPr>
+          <p:nvPr>
+            <p:ph idx="1"/>
+          </p:nvPr>
+        </p:nvSpPr>
+        <p:spPr/>
+        <p:txBody>
+          <a:bodyPr>
+            <a:normAutofit/>
+          </a:bodyPr>
+          <a:lstStyle/>
+          <a:p>
+            <a:r>
+              <a:rPr lang="zh-CN" altLang="en-US" sz="2400" dirty="0" smtClean="0"/>
+              <a:t>后端的算法设计可以使用现有的推荐算法，在推荐系统的基础上进行改进</a:t>
+            </a:r>
+            <a:endParaRPr lang="en-US" altLang="zh-CN" sz="2400" dirty="0" smtClean="0"/>
+          </a:p>
+          <a:p>
+            <a:r>
+              <a:rPr lang="zh-CN" altLang="en-US" sz="2400" dirty="0" smtClean="0"/>
+              <a:t>根据用户的偏好和过往记录进行推荐</a:t>
+            </a:r>
+            <a:endParaRPr lang="en-US" altLang="zh-CN" sz="2400" dirty="0" smtClean="0"/>
+          </a:p>
+          <a:p>
+            <a:r>
+              <a:rPr lang="zh-CN" altLang="en-US" sz="2400" dirty="0" smtClean="0"/>
+              <a:t>最简单的办法是将景点推荐，路线推荐与住宿推荐分开</a:t>
+            </a:r>
+            <a:endParaRPr lang="en-US" altLang="zh-CN" sz="2400" smtClean="0"/>
+          </a:p>
+          <a:p>
+            <a:endParaRPr lang="zh-CN" altLang="en-US" sz="2400" dirty="0"/>
+          </a:p>
+        </p:txBody>
+      </p:sp>
+    </p:spTree>
+    <p:extLst>
+      <p:ext uri="{BB962C8B-B14F-4D97-AF65-F5344CB8AC3E}">
+        <p14:creationId xmlns:p14="http://schemas.microsoft.com/office/powerpoint/2010/main" val="3169074282"/>
       </p:ext>
     </p:extLst>
   </p:cSld>
@@ -7518,4 +8169,265 @@
     </a:ext>
   </a:extLst>
 </a:theme>
+</file>
+
+<file path=ppt/theme/theme2.xml><?xml version="1.0" encoding="utf-8"?>
+<a:theme xmlns:a="http://schemas.openxmlformats.org/drawingml/2006/main" name="Office 主题​​">
+  <a:themeElements>
+    <a:clrScheme name="Office">
+      <a:dk1>
+        <a:sysClr val="windowText" lastClr="000000"/>
+      </a:dk1>
+      <a:lt1>
+        <a:sysClr val="window" lastClr="FFFFFF"/>
+      </a:lt1>
+      <a:dk2>
+        <a:srgbClr val="44546A"/>
+      </a:dk2>
+      <a:lt2>
+        <a:srgbClr val="E7E6E6"/>
+      </a:lt2>
+      <a:accent1>
+        <a:srgbClr val="5B9BD5"/>
+      </a:accent1>
+      <a:accent2>
+        <a:srgbClr val="ED7D31"/>
+      </a:accent2>
+      <a:accent3>
+        <a:srgbClr val="A5A5A5"/>
+      </a:accent3>
+      <a:accent4>
+        <a:srgbClr val="FFC000"/>
+      </a:accent4>
+      <a:accent5>
+        <a:srgbClr val="4472C4"/>
+      </a:accent5>
+      <a:accent6>
+        <a:srgbClr val="70AD47"/>
+      </a:accent6>
+      <a:hlink>
+        <a:srgbClr val="0563C1"/>
+      </a:hlink>
+      <a:folHlink>
+        <a:srgbClr val="954F72"/>
+      </a:folHlink>
+    </a:clrScheme>
+    <a:fontScheme name="Office">
+      <a:majorFont>
+        <a:latin typeface="等线 Light" panose="020F0302020204030204"/>
+        <a:ea typeface=""/>
+        <a:cs typeface=""/>
+        <a:font script="Jpan" typeface="游ゴシック Light"/>
+        <a:font script="Hang" typeface="맑은 고딕"/>
+        <a:font script="Hans" typeface="等线 Light"/>
+        <a:font script="Hant" typeface="新細明體"/>
+        <a:font script="Arab" typeface="Times New Roman"/>
+        <a:font script="Hebr" typeface="Times New Roman"/>
+        <a:font script="Thai" typeface="Angsana New"/>
+        <a:font script="Ethi" typeface="Nyala"/>
+        <a:font script="Beng" typeface="Vrinda"/>
+        <a:font script="Gujr" typeface="Shruti"/>
+        <a:font script="Khmr" typeface="MoolBoran"/>
+        <a:font script="Knda" typeface="Tunga"/>
+        <a:font script="Guru" typeface="Raavi"/>
+        <a:font script="Cans" typeface="Euphemia"/>
+        <a:font script="Cher" typeface="Plantagenet Cherokee"/>
+        <a:font script="Yiii" typeface="Microsoft Yi Baiti"/>
+        <a:font script="Tibt" typeface="Microsoft Himalaya"/>
+        <a:font script="Thaa" typeface="MV Boli"/>
+        <a:font script="Deva" typeface="Mangal"/>
+        <a:font script="Telu" typeface="Gautami"/>
+        <a:font script="Taml" typeface="Latha"/>
+        <a:font script="Syrc" typeface="Estrangelo Edessa"/>
+        <a:font script="Orya" typeface="Kalinga"/>
+        <a:font script="Mlym" typeface="Kartika"/>
+        <a:font script="Laoo" typeface="DokChampa"/>
+        <a:font script="Sinh" typeface="Iskoola Pota"/>
+        <a:font script="Mong" typeface="Mongolian Baiti"/>
+        <a:font script="Viet" typeface="Times New Roman"/>
+        <a:font script="Uigh" typeface="Microsoft Uighur"/>
+        <a:font script="Geor" typeface="Sylfaen"/>
+      </a:majorFont>
+      <a:minorFont>
+        <a:latin typeface="等线" panose="020F0502020204030204"/>
+        <a:ea typeface=""/>
+        <a:cs typeface=""/>
+        <a:font script="Jpan" typeface="游ゴシック"/>
+        <a:font script="Hang" typeface="맑은 고딕"/>
+        <a:font script="Hans" typeface="等线"/>
+        <a:font script="Hant" typeface="新細明體"/>
+        <a:font script="Arab" typeface="Arial"/>
+        <a:font script="Hebr" typeface="Arial"/>
+        <a:font script="Thai" typeface="Cordia New"/>
+        <a:font script="Ethi" typeface="Nyala"/>
+        <a:font script="Beng" typeface="Vrinda"/>
+        <a:font script="Gujr" typeface="Shruti"/>
+        <a:font script="Khmr" typeface="DaunPenh"/>
+        <a:font script="Knda" typeface="Tunga"/>
+        <a:font script="Guru" typeface="Raavi"/>
+        <a:font script="Cans" typeface="Euphemia"/>
+        <a:font script="Cher" typeface="Plantagenet Cherokee"/>
+        <a:font script="Yiii" typeface="Microsoft Yi Baiti"/>
+        <a:font script="Tibt" typeface="Microsoft Himalaya"/>
+        <a:font script="Thaa" typeface="MV Boli"/>
+        <a:font script="Deva" typeface="Mangal"/>
+        <a:font script="Telu" typeface="Gautami"/>
+        <a:font script="Taml" typeface="Latha"/>
+        <a:font script="Syrc" typeface="Estrangelo Edessa"/>
+        <a:font script="Orya" typeface="Kalinga"/>
+        <a:font script="Mlym" typeface="Kartika"/>
+        <a:font script="Laoo" typeface="DokChampa"/>
+        <a:font script="Sinh" typeface="Iskoola Pota"/>
+        <a:font script="Mong" typeface="Mongolian Baiti"/>
+        <a:font script="Viet" typeface="Arial"/>
+        <a:font script="Uigh" typeface="Microsoft Uighur"/>
+        <a:font script="Geor" typeface="Sylfaen"/>
+      </a:minorFont>
+    </a:fontScheme>
+    <a:fmtScheme name="Office">
+      <a:fillStyleLst>
+        <a:solidFill>
+          <a:schemeClr val="phClr"/>
+        </a:solidFill>
+        <a:gradFill rotWithShape="1">
+          <a:gsLst>
+            <a:gs pos="0">
+              <a:schemeClr val="phClr">
+                <a:lumMod val="110000"/>
+                <a:satMod val="105000"/>
+                <a:tint val="67000"/>
+              </a:schemeClr>
+            </a:gs>
+            <a:gs pos="50000">
+              <a:schemeClr val="phClr">
+                <a:lumMod val="105000"/>
+                <a:satMod val="103000"/>
+                <a:tint val="73000"/>
+              </a:schemeClr>
+            </a:gs>
+            <a:gs pos="100000">
+              <a:schemeClr val="phClr">
+                <a:lumMod val="105000"/>
+                <a:satMod val="109000"/>
+                <a:tint val="81000"/>
+              </a:schemeClr>
+            </a:gs>
+          </a:gsLst>
+          <a:lin ang="5400000" scaled="0"/>
+        </a:gradFill>
+        <a:gradFill rotWithShape="1">
+          <a:gsLst>
+            <a:gs pos="0">
+              <a:schemeClr val="phClr">
+                <a:satMod val="103000"/>
+                <a:lumMod val="102000"/>
+                <a:tint val="94000"/>
+              </a:schemeClr>
+            </a:gs>
+            <a:gs pos="50000">
+              <a:schemeClr val="phClr">
+                <a:satMod val="110000"/>
+                <a:lumMod val="100000"/>
+                <a:shade val="100000"/>
+              </a:schemeClr>
+            </a:gs>
+            <a:gs pos="100000">
+              <a:schemeClr val="phClr">
+                <a:lumMod val="99000"/>
+                <a:satMod val="120000"/>
+                <a:shade val="78000"/>
+              </a:schemeClr>
+            </a:gs>
+          </a:gsLst>
+          <a:lin ang="5400000" scaled="0"/>
+        </a:gradFill>
+      </a:fillStyleLst>
+      <a:lnStyleLst>
+        <a:ln w="6350" cap="flat" cmpd="sng" algn="ctr">
+          <a:solidFill>
+            <a:schemeClr val="phClr"/>
+          </a:solidFill>
+          <a:prstDash val="solid"/>
+          <a:miter lim="800000"/>
+        </a:ln>
+        <a:ln w="12700" cap="flat" cmpd="sng" algn="ctr">
+          <a:solidFill>
+            <a:schemeClr val="phClr"/>
+          </a:solidFill>
+          <a:prstDash val="solid"/>
+          <a:miter lim="800000"/>
+        </a:ln>
+        <a:ln w="19050" cap="flat" cmpd="sng" algn="ctr">
+          <a:solidFill>
+            <a:schemeClr val="phClr"/>
+          </a:solidFill>
+          <a:prstDash val="solid"/>
+          <a:miter lim="800000"/>
+        </a:ln>
+      </a:lnStyleLst>
+      <a:effectStyleLst>
+        <a:effectStyle>
+          <a:effectLst/>
+        </a:effectStyle>
+        <a:effectStyle>
+          <a:effectLst/>
+        </a:effectStyle>
+        <a:effectStyle>
+          <a:effectLst>
+            <a:outerShdw blurRad="57150" dist="19050" dir="5400000" algn="ctr" rotWithShape="0">
+              <a:srgbClr val="000000">
+                <a:alpha val="63000"/>
+              </a:srgbClr>
+            </a:outerShdw>
+          </a:effectLst>
+        </a:effectStyle>
+      </a:effectStyleLst>
+      <a:bgFillStyleLst>
+        <a:solidFill>
+          <a:schemeClr val="phClr"/>
+        </a:solidFill>
+        <a:solidFill>
+          <a:schemeClr val="phClr">
+            <a:tint val="95000"/>
+            <a:satMod val="170000"/>
+          </a:schemeClr>
+        </a:solidFill>
+        <a:gradFill rotWithShape="1">
+          <a:gsLst>
+            <a:gs pos="0">
+              <a:schemeClr val="phClr">
+                <a:tint val="93000"/>
+                <a:satMod val="150000"/>
+                <a:shade val="98000"/>
+                <a:lumMod val="102000"/>
+              </a:schemeClr>
+            </a:gs>
+            <a:gs pos="50000">
+              <a:schemeClr val="phClr">
+                <a:tint val="98000"/>
+                <a:satMod val="130000"/>
+                <a:shade val="90000"/>
+                <a:lumMod val="103000"/>
+              </a:schemeClr>
+            </a:gs>
+            <a:gs pos="100000">
+              <a:schemeClr val="phClr">
+                <a:shade val="63000"/>
+                <a:satMod val="120000"/>
+              </a:schemeClr>
+            </a:gs>
+          </a:gsLst>
+          <a:lin ang="5400000" scaled="0"/>
+        </a:gradFill>
+      </a:bgFillStyleLst>
+    </a:fmtScheme>
+  </a:themeElements>
+  <a:objectDefaults/>
+  <a:extraClrSchemeLst/>
+  <a:extLst>
+    <a:ext uri="{05A4C25C-085E-4340-85A3-A5531E510DB2}">
+      <thm15:themeFamily xmlns:thm15="http://schemas.microsoft.com/office/thememl/2012/main" name="Office Theme" id="{62F939B6-93AF-4DB8-9C6B-D6C7DFDC589F}" vid="{4A3C46E8-61CC-4603-A589-7422A47A8E4A}"/>
+    </a:ext>
+  </a:extLst>
+</a:theme>
 </file>